--- a/digital portfolio. ppt.pptx
+++ b/digital portfolio. ppt.pptx
@@ -8063,109 +8063,12 @@
           </a:p>
         </p:txBody>
       </p:sp>
-      <p:sp>
-        <p:nvSpPr>
-          <p:cNvPr id="1048706" name="TextBox 1048705"/>
-          <p:cNvSpPr txBox="1"/>
-          <p:nvPr/>
-        </p:nvSpPr>
-        <p:spPr>
-          <a:xfrm>
-            <a:off x="739775" y="1973579"/>
-            <a:ext cx="7891160" cy="2910840"/>
-          </a:xfrm>
-          <a:prstGeom prst="rect">
-            <a:avLst/>
-          </a:prstGeom>
-        </p:spPr>
-        <p:txBody>
-          <a:bodyPr wrap="square" rtlCol="0">
-            <a:spAutoFit/>
-          </a:bodyPr>
-          <a:lstStyle/>
-          <a:p>
-            <a:r>
-              <a:rPr lang="en-US" sz="2800">
-                <a:solidFill>
-                  <a:srgbClr val="000000"/>
-                </a:solidFill>
-              </a:rPr>
-              <a:t>1. Header – Name, role, and tagline.</a:t>
-            </a:r>
-            <a:endParaRPr lang="en-IN" sz="2800">
-              <a:solidFill>
-                <a:srgbClr val="000000"/>
-              </a:solidFill>
-            </a:endParaRPr>
-          </a:p>
-          <a:p>
-            <a:r>
-              <a:rPr lang="en-US" sz="2800">
-                <a:solidFill>
-                  <a:srgbClr val="000000"/>
-                </a:solidFill>
-              </a:rPr>
-              <a:t>2. About – Short intro about yourself.</a:t>
-            </a:r>
-            <a:endParaRPr lang="en-IN" sz="2800">
-              <a:solidFill>
-                <a:srgbClr val="000000"/>
-              </a:solidFill>
-            </a:endParaRPr>
-          </a:p>
-          <a:p>
-            <a:r>
-              <a:rPr lang="en-US" sz="2800">
-                <a:solidFill>
-                  <a:srgbClr val="000000"/>
-                </a:solidFill>
-              </a:rPr>
-              <a:t>3. Projects – Showcase best work with images &amp; brief notes.</a:t>
-            </a:r>
-            <a:endParaRPr lang="en-IN" sz="2800">
-              <a:solidFill>
-                <a:srgbClr val="000000"/>
-              </a:solidFill>
-            </a:endParaRPr>
-          </a:p>
-          <a:p>
-            <a:r>
-              <a:rPr lang="en-US" sz="2800">
-                <a:solidFill>
-                  <a:srgbClr val="000000"/>
-                </a:solidFill>
-              </a:rPr>
-              <a:t>4. Skills – Highlight key abilities.</a:t>
-            </a:r>
-            <a:endParaRPr lang="en-IN" sz="2800">
-              <a:solidFill>
-                <a:srgbClr val="000000"/>
-              </a:solidFill>
-            </a:endParaRPr>
-          </a:p>
-          <a:p>
-            <a:r>
-              <a:rPr lang="en-US" sz="2800">
-                <a:solidFill>
-                  <a:srgbClr val="000000"/>
-                </a:solidFill>
-              </a:rPr>
-              <a:t>5. Contact – Easy way to connect.</a:t>
-            </a:r>
-            <a:endParaRPr lang="en-IN" sz="2800">
-              <a:solidFill>
-                <a:srgbClr val="000000"/>
-              </a:solidFill>
-            </a:endParaRPr>
-          </a:p>
-        </p:txBody>
-      </p:sp>
       <p:pic>
         <p:nvPicPr>
-          <p:cNvPr id="2" name="Picture 2">
+          <p:cNvPr id="4" name="Picture 4">
             <a:extLst>
               <a:ext uri="{FF2B5EF4-FFF2-40B4-BE49-F238E27FC236}">
-                <a16:creationId xmlns:a16="http://schemas.microsoft.com/office/drawing/2014/main" id="{B07029A1-F3E7-854C-9440-441C0C0B1156}"/>
+                <a16:creationId xmlns:a16="http://schemas.microsoft.com/office/drawing/2014/main" id="{4171363A-E3EB-3844-9F25-3736F0D3DFDB}"/>
               </a:ext>
             </a:extLst>
           </p:cNvPr>
@@ -8188,14 +8091,73 @@
         </p:blipFill>
         <p:spPr>
           <a:xfrm>
-            <a:off x="7210415" y="3652874"/>
-            <a:ext cx="4181103" cy="2738598"/>
+            <a:off x="6096000" y="2021711"/>
+            <a:ext cx="3975291" cy="3290023"/>
           </a:xfrm>
           <a:prstGeom prst="rect">
             <a:avLst/>
           </a:prstGeom>
         </p:spPr>
       </p:pic>
+      <p:sp>
+        <p:nvSpPr>
+          <p:cNvPr id="14" name="TextBox 13">
+            <a:extLst>
+              <a:ext uri="{FF2B5EF4-FFF2-40B4-BE49-F238E27FC236}">
+                <a16:creationId xmlns:a16="http://schemas.microsoft.com/office/drawing/2014/main" id="{BFA99849-A4AA-CE4E-878E-7D08D7227301}"/>
+              </a:ext>
+            </a:extLst>
+          </p:cNvPr>
+          <p:cNvSpPr txBox="1"/>
+          <p:nvPr/>
+        </p:nvSpPr>
+        <p:spPr>
+          <a:xfrm>
+            <a:off x="1039091" y="2690336"/>
+            <a:ext cx="4824351" cy="1477328"/>
+          </a:xfrm>
+          <a:prstGeom prst="rect">
+            <a:avLst/>
+          </a:prstGeom>
+          <a:noFill/>
+        </p:spPr>
+        <p:txBody>
+          <a:bodyPr wrap="square">
+            <a:spAutoFit/>
+          </a:bodyPr>
+          <a:lstStyle/>
+          <a:p>
+            <a:r>
+              <a:rPr lang="en-US"/>
+              <a:t>1. Cover Page – Name, title, photo/logo</a:t>
+            </a:r>
+          </a:p>
+          <a:p>
+            <a:r>
+              <a:rPr lang="en-US"/>
+              <a:t>2. About Me – Short intro + skills</a:t>
+            </a:r>
+          </a:p>
+          <a:p>
+            <a:r>
+              <a:rPr lang="en-US"/>
+              <a:t>3. Projects/Work – Images + brief descriptions</a:t>
+            </a:r>
+          </a:p>
+          <a:p>
+            <a:r>
+              <a:rPr lang="en-US"/>
+              <a:t>4. Experience/Education – Timeline or list</a:t>
+            </a:r>
+          </a:p>
+          <a:p>
+            <a:r>
+              <a:rPr lang="en-US"/>
+              <a:t>5. Contact Page – Email, phone, social links</a:t>
+            </a:r>
+          </a:p>
+        </p:txBody>
+      </p:sp>
     </p:spTree>
   </p:cSld>
   <p:clrMapOvr>
